--- a/Clase 9/clase9.pptx
+++ b/Clase 9/clase9.pptx
@@ -241,7 +241,7 @@
           <a:p>
             <a:fld id="{56EFBD41-8F30-499F-8836-9A8B592EDCF2}" type="datetimeFigureOut">
               <a:rPr lang="es-CR" smtClean="0"/>
-              <a:t>13/3/2018</a:t>
+              <a:t>31/7/2019</a:t>
             </a:fld>
             <a:endParaRPr lang="es-CR"/>
           </a:p>
@@ -406,7 +406,7 @@
           <a:p>
             <a:fld id="{701C4BE3-AD0D-43FB-97B9-68E31F3243AC}" type="datetimeFigureOut">
               <a:rPr lang="es-CR" smtClean="0"/>
-              <a:t>13/3/2018</a:t>
+              <a:t>31/7/2019</a:t>
             </a:fld>
             <a:endParaRPr lang="es-CR"/>
           </a:p>
@@ -816,7 +816,7 @@
           <a:p>
             <a:fld id="{EABE8AA6-12A8-4B45-AB18-A83908A3A2E6}" type="datetimeFigureOut">
               <a:rPr lang="es-ES" smtClean="0"/>
-              <a:t>13/03/2018</a:t>
+              <a:t>31/07/2019</a:t>
             </a:fld>
             <a:endParaRPr lang="es-ES"/>
           </a:p>
@@ -986,7 +986,7 @@
           <a:p>
             <a:fld id="{EABE8AA6-12A8-4B45-AB18-A83908A3A2E6}" type="datetimeFigureOut">
               <a:rPr lang="es-ES" smtClean="0"/>
-              <a:t>13/03/2018</a:t>
+              <a:t>31/07/2019</a:t>
             </a:fld>
             <a:endParaRPr lang="es-ES"/>
           </a:p>
@@ -1166,7 +1166,7 @@
           <a:p>
             <a:fld id="{EABE8AA6-12A8-4B45-AB18-A83908A3A2E6}" type="datetimeFigureOut">
               <a:rPr lang="es-ES" smtClean="0"/>
-              <a:t>13/03/2018</a:t>
+              <a:t>31/07/2019</a:t>
             </a:fld>
             <a:endParaRPr lang="es-ES"/>
           </a:p>
@@ -1369,7 +1369,7 @@
           <a:p>
             <a:fld id="{EABE8AA6-12A8-4B45-AB18-A83908A3A2E6}" type="datetimeFigureOut">
               <a:rPr lang="es-ES" smtClean="0"/>
-              <a:t>13/03/2018</a:t>
+              <a:t>31/07/2019</a:t>
             </a:fld>
             <a:endParaRPr lang="es-ES"/>
           </a:p>
@@ -1539,7 +1539,7 @@
           <a:p>
             <a:fld id="{EABE8AA6-12A8-4B45-AB18-A83908A3A2E6}" type="datetimeFigureOut">
               <a:rPr lang="es-ES" smtClean="0"/>
-              <a:t>13/03/2018</a:t>
+              <a:t>31/07/2019</a:t>
             </a:fld>
             <a:endParaRPr lang="es-ES"/>
           </a:p>
@@ -1790,7 +1790,7 @@
           <a:p>
             <a:fld id="{EABE8AA6-12A8-4B45-AB18-A83908A3A2E6}" type="datetimeFigureOut">
               <a:rPr lang="es-ES" smtClean="0"/>
-              <a:t>13/03/2018</a:t>
+              <a:t>31/07/2019</a:t>
             </a:fld>
             <a:endParaRPr lang="es-ES"/>
           </a:p>
@@ -2022,7 +2022,7 @@
           <a:p>
             <a:fld id="{EABE8AA6-12A8-4B45-AB18-A83908A3A2E6}" type="datetimeFigureOut">
               <a:rPr lang="es-ES" smtClean="0"/>
-              <a:t>13/03/2018</a:t>
+              <a:t>31/07/2019</a:t>
             </a:fld>
             <a:endParaRPr lang="es-ES"/>
           </a:p>
@@ -2369,7 +2369,7 @@
           <a:p>
             <a:fld id="{EABE8AA6-12A8-4B45-AB18-A83908A3A2E6}" type="datetimeFigureOut">
               <a:rPr lang="es-ES" smtClean="0"/>
-              <a:t>13/03/2018</a:t>
+              <a:t>31/07/2019</a:t>
             </a:fld>
             <a:endParaRPr lang="es-ES"/>
           </a:p>
@@ -2487,7 +2487,7 @@
           <a:p>
             <a:fld id="{73D7E00A-486F-4252-8B1D-E32645521F49}" type="datetime1">
               <a:rPr lang="en-US" smtClean="0"/>
-              <a:t>3/13/2018</a:t>
+              <a:t>7/31/2019</a:t>
             </a:fld>
             <a:endParaRPr lang="en-US"/>
           </a:p>
@@ -2605,7 +2605,7 @@
           <a:p>
             <a:fld id="{EABE8AA6-12A8-4B45-AB18-A83908A3A2E6}" type="datetimeFigureOut">
               <a:rPr lang="es-ES" smtClean="0"/>
-              <a:t>13/03/2018</a:t>
+              <a:t>31/07/2019</a:t>
             </a:fld>
             <a:endParaRPr lang="es-ES"/>
           </a:p>
@@ -2889,7 +2889,7 @@
           <a:p>
             <a:fld id="{EABE8AA6-12A8-4B45-AB18-A83908A3A2E6}" type="datetimeFigureOut">
               <a:rPr lang="es-ES" smtClean="0"/>
-              <a:t>13/03/2018</a:t>
+              <a:t>31/07/2019</a:t>
             </a:fld>
             <a:endParaRPr lang="es-ES"/>
           </a:p>
@@ -3059,7 +3059,7 @@
           <a:p>
             <a:fld id="{EABE8AA6-12A8-4B45-AB18-A83908A3A2E6}" type="datetimeFigureOut">
               <a:rPr lang="es-ES" smtClean="0"/>
-              <a:t>13/03/2018</a:t>
+              <a:t>31/07/2019</a:t>
             </a:fld>
             <a:endParaRPr lang="es-ES"/>
           </a:p>
@@ -3323,7 +3323,7 @@
           <a:p>
             <a:fld id="{EABE8AA6-12A8-4B45-AB18-A83908A3A2E6}" type="datetimeFigureOut">
               <a:rPr lang="es-ES" smtClean="0"/>
-              <a:t>13/03/2018</a:t>
+              <a:t>31/07/2019</a:t>
             </a:fld>
             <a:endParaRPr lang="es-ES"/>
           </a:p>
@@ -3493,7 +3493,7 @@
           <a:p>
             <a:fld id="{EABE8AA6-12A8-4B45-AB18-A83908A3A2E6}" type="datetimeFigureOut">
               <a:rPr lang="es-ES" smtClean="0"/>
-              <a:t>13/03/2018</a:t>
+              <a:t>31/07/2019</a:t>
             </a:fld>
             <a:endParaRPr lang="es-ES"/>
           </a:p>
@@ -3673,7 +3673,7 @@
           <a:p>
             <a:fld id="{EABE8AA6-12A8-4B45-AB18-A83908A3A2E6}" type="datetimeFigureOut">
               <a:rPr lang="es-ES" smtClean="0"/>
-              <a:t>13/03/2018</a:t>
+              <a:t>31/07/2019</a:t>
             </a:fld>
             <a:endParaRPr lang="es-ES"/>
           </a:p>
@@ -3865,7 +3865,7 @@
           <a:p>
             <a:fld id="{EABE8AA6-12A8-4B45-AB18-A83908A3A2E6}" type="datetimeFigureOut">
               <a:rPr lang="es-ES" smtClean="0"/>
-              <a:t>13/03/2018</a:t>
+              <a:t>31/07/2019</a:t>
             </a:fld>
             <a:endParaRPr lang="es-ES"/>
           </a:p>
@@ -4126,7 +4126,7 @@
           <a:p>
             <a:fld id="{EABE8AA6-12A8-4B45-AB18-A83908A3A2E6}" type="datetimeFigureOut">
               <a:rPr lang="es-ES" smtClean="0"/>
-              <a:t>13/03/2018</a:t>
+              <a:t>31/07/2019</a:t>
             </a:fld>
             <a:endParaRPr lang="es-ES"/>
           </a:p>
@@ -4517,7 +4517,7 @@
           <a:p>
             <a:fld id="{EABE8AA6-12A8-4B45-AB18-A83908A3A2E6}" type="datetimeFigureOut">
               <a:rPr lang="es-ES" smtClean="0"/>
-              <a:t>13/03/2018</a:t>
+              <a:t>31/07/2019</a:t>
             </a:fld>
             <a:endParaRPr lang="es-ES"/>
           </a:p>
@@ -4805,7 +4805,7 @@
           <a:p>
             <a:fld id="{EABE8AA6-12A8-4B45-AB18-A83908A3A2E6}" type="datetimeFigureOut">
               <a:rPr lang="es-ES" smtClean="0"/>
-              <a:t>13/03/2018</a:t>
+              <a:t>31/07/2019</a:t>
             </a:fld>
             <a:endParaRPr lang="es-ES"/>
           </a:p>
@@ -5228,7 +5228,7 @@
           <a:p>
             <a:fld id="{EABE8AA6-12A8-4B45-AB18-A83908A3A2E6}" type="datetimeFigureOut">
               <a:rPr lang="es-ES" smtClean="0"/>
-              <a:t>13/03/2018</a:t>
+              <a:t>31/07/2019</a:t>
             </a:fld>
             <a:endParaRPr lang="es-ES"/>
           </a:p>
@@ -5346,7 +5346,7 @@
           <a:p>
             <a:fld id="{73D7E00A-486F-4252-8B1D-E32645521F49}" type="datetime1">
               <a:rPr lang="en-US" smtClean="0"/>
-              <a:t>3/13/2018</a:t>
+              <a:t>7/31/2019</a:t>
             </a:fld>
             <a:endParaRPr lang="en-US"/>
           </a:p>
@@ -5441,7 +5441,7 @@
           <a:p>
             <a:fld id="{EABE8AA6-12A8-4B45-AB18-A83908A3A2E6}" type="datetimeFigureOut">
               <a:rPr lang="es-ES" smtClean="0"/>
-              <a:t>13/03/2018</a:t>
+              <a:t>31/07/2019</a:t>
             </a:fld>
             <a:endParaRPr lang="es-ES"/>
           </a:p>
@@ -5692,7 +5692,7 @@
           <a:p>
             <a:fld id="{EABE8AA6-12A8-4B45-AB18-A83908A3A2E6}" type="datetimeFigureOut">
               <a:rPr lang="es-ES" smtClean="0"/>
-              <a:t>13/03/2018</a:t>
+              <a:t>31/07/2019</a:t>
             </a:fld>
             <a:endParaRPr lang="es-ES"/>
           </a:p>
@@ -5969,7 +5969,7 @@
           <a:p>
             <a:fld id="{EABE8AA6-12A8-4B45-AB18-A83908A3A2E6}" type="datetimeFigureOut">
               <a:rPr lang="es-ES" smtClean="0"/>
-              <a:t>13/03/2018</a:t>
+              <a:t>31/07/2019</a:t>
             </a:fld>
             <a:endParaRPr lang="es-ES"/>
           </a:p>
@@ -6226,7 +6226,7 @@
           <a:p>
             <a:fld id="{EABE8AA6-12A8-4B45-AB18-A83908A3A2E6}" type="datetimeFigureOut">
               <a:rPr lang="es-ES" smtClean="0"/>
-              <a:t>13/03/2018</a:t>
+              <a:t>31/07/2019</a:t>
             </a:fld>
             <a:endParaRPr lang="es-ES"/>
           </a:p>
@@ -6396,7 +6396,7 @@
           <a:p>
             <a:fld id="{EABE8AA6-12A8-4B45-AB18-A83908A3A2E6}" type="datetimeFigureOut">
               <a:rPr lang="es-ES" smtClean="0"/>
-              <a:t>13/03/2018</a:t>
+              <a:t>31/07/2019</a:t>
             </a:fld>
             <a:endParaRPr lang="es-ES"/>
           </a:p>
@@ -6576,7 +6576,7 @@
           <a:p>
             <a:fld id="{EABE8AA6-12A8-4B45-AB18-A83908A3A2E6}" type="datetimeFigureOut">
               <a:rPr lang="es-ES" smtClean="0"/>
-              <a:t>13/03/2018</a:t>
+              <a:t>31/07/2019</a:t>
             </a:fld>
             <a:endParaRPr lang="es-ES"/>
           </a:p>
@@ -7116,7 +7116,7 @@
           <a:p>
             <a:fld id="{EABE8AA6-12A8-4B45-AB18-A83908A3A2E6}" type="datetimeFigureOut">
               <a:rPr lang="es-ES" smtClean="0"/>
-              <a:t>13/03/2018</a:t>
+              <a:t>31/07/2019</a:t>
             </a:fld>
             <a:endParaRPr lang="es-ES"/>
           </a:p>
@@ -7463,7 +7463,7 @@
           <a:p>
             <a:fld id="{EABE8AA6-12A8-4B45-AB18-A83908A3A2E6}" type="datetimeFigureOut">
               <a:rPr lang="es-ES" smtClean="0"/>
-              <a:t>13/03/2018</a:t>
+              <a:t>31/07/2019</a:t>
             </a:fld>
             <a:endParaRPr lang="es-ES"/>
           </a:p>
@@ -7581,7 +7581,7 @@
           <a:p>
             <a:fld id="{73D7E00A-486F-4252-8B1D-E32645521F49}" type="datetime1">
               <a:rPr lang="en-US" smtClean="0"/>
-              <a:t>3/13/2018</a:t>
+              <a:t>7/31/2019</a:t>
             </a:fld>
             <a:endParaRPr lang="en-US"/>
           </a:p>
@@ -8019,7 +8019,7 @@
           <a:p>
             <a:fld id="{EABE8AA6-12A8-4B45-AB18-A83908A3A2E6}" type="datetimeFigureOut">
               <a:rPr lang="es-ES" smtClean="0"/>
-              <a:t>13/03/2018</a:t>
+              <a:t>31/07/2019</a:t>
             </a:fld>
             <a:endParaRPr lang="es-ES"/>
           </a:p>
@@ -8283,7 +8283,7 @@
           <a:p>
             <a:fld id="{EABE8AA6-12A8-4B45-AB18-A83908A3A2E6}" type="datetimeFigureOut">
               <a:rPr lang="es-ES" smtClean="0"/>
-              <a:t>13/03/2018</a:t>
+              <a:t>31/07/2019</a:t>
             </a:fld>
             <a:endParaRPr lang="es-ES"/>
           </a:p>
@@ -8497,7 +8497,7 @@
           <a:p>
             <a:fld id="{5586B75A-687E-405C-8A0B-8D00578BA2C3}" type="datetime1">
               <a:rPr lang="en-US" smtClean="0"/>
-              <a:t>3/13/2018</a:t>
+              <a:t>7/31/2019</a:t>
             </a:fld>
             <a:endParaRPr lang="en-US"/>
           </a:p>
@@ -9027,7 +9027,7 @@
           <a:p>
             <a:fld id="{5586B75A-687E-405C-8A0B-8D00578BA2C3}" type="datetime1">
               <a:rPr lang="en-US" smtClean="0"/>
-              <a:t>3/13/2018</a:t>
+              <a:t>7/31/2019</a:t>
             </a:fld>
             <a:endParaRPr lang="en-US"/>
           </a:p>
@@ -9556,7 +9556,7 @@
           <a:p>
             <a:fld id="{5586B75A-687E-405C-8A0B-8D00578BA2C3}" type="datetime1">
               <a:rPr lang="en-US" smtClean="0"/>
-              <a:t>3/13/2018</a:t>
+              <a:t>7/31/2019</a:t>
             </a:fld>
             <a:endParaRPr lang="en-US"/>
           </a:p>
@@ -27247,7 +27247,7 @@
             </a:pPr>
             <a:r>
               <a:rPr lang="es-CR" dirty="0"/>
-              <a:t>2018</a:t>
+              <a:t>2019</a:t>
             </a:r>
           </a:p>
         </p:txBody>
